--- a/Introduction.pptx
+++ b/Introduction.pptx
@@ -289,7 +289,7 @@
           <a:p>
             <a:fld id="{383FC6D2-30AA-4558-8012-F5837F23A629}" type="datetimeFigureOut">
               <a:rPr lang="en-US" smtClean="0"/>
-              <a:t>2/13/2024</a:t>
+              <a:t>2/15/2024</a:t>
             </a:fld>
             <a:endParaRPr lang="en-US"/>
           </a:p>
@@ -457,7 +457,7 @@
           <a:p>
             <a:fld id="{383FC6D2-30AA-4558-8012-F5837F23A629}" type="datetimeFigureOut">
               <a:rPr lang="en-US" smtClean="0"/>
-              <a:t>2/13/2024</a:t>
+              <a:t>2/15/2024</a:t>
             </a:fld>
             <a:endParaRPr lang="en-US"/>
           </a:p>
@@ -635,7 +635,7 @@
           <a:p>
             <a:fld id="{383FC6D2-30AA-4558-8012-F5837F23A629}" type="datetimeFigureOut">
               <a:rPr lang="en-US" smtClean="0"/>
-              <a:t>2/13/2024</a:t>
+              <a:t>2/15/2024</a:t>
             </a:fld>
             <a:endParaRPr lang="en-US"/>
           </a:p>
@@ -803,7 +803,7 @@
           <a:p>
             <a:fld id="{383FC6D2-30AA-4558-8012-F5837F23A629}" type="datetimeFigureOut">
               <a:rPr lang="en-US" smtClean="0"/>
-              <a:t>2/13/2024</a:t>
+              <a:t>2/15/2024</a:t>
             </a:fld>
             <a:endParaRPr lang="en-US"/>
           </a:p>
@@ -1048,7 +1048,7 @@
           <a:p>
             <a:fld id="{383FC6D2-30AA-4558-8012-F5837F23A629}" type="datetimeFigureOut">
               <a:rPr lang="en-US" smtClean="0"/>
-              <a:t>2/13/2024</a:t>
+              <a:t>2/15/2024</a:t>
             </a:fld>
             <a:endParaRPr lang="en-US"/>
           </a:p>
@@ -1277,7 +1277,7 @@
           <a:p>
             <a:fld id="{383FC6D2-30AA-4558-8012-F5837F23A629}" type="datetimeFigureOut">
               <a:rPr lang="en-US" smtClean="0"/>
-              <a:t>2/13/2024</a:t>
+              <a:t>2/15/2024</a:t>
             </a:fld>
             <a:endParaRPr lang="en-US"/>
           </a:p>
@@ -1641,7 +1641,7 @@
           <a:p>
             <a:fld id="{383FC6D2-30AA-4558-8012-F5837F23A629}" type="datetimeFigureOut">
               <a:rPr lang="en-US" smtClean="0"/>
-              <a:t>2/13/2024</a:t>
+              <a:t>2/15/2024</a:t>
             </a:fld>
             <a:endParaRPr lang="en-US"/>
           </a:p>
@@ -1758,7 +1758,7 @@
           <a:p>
             <a:fld id="{383FC6D2-30AA-4558-8012-F5837F23A629}" type="datetimeFigureOut">
               <a:rPr lang="en-US" smtClean="0"/>
-              <a:t>2/13/2024</a:t>
+              <a:t>2/15/2024</a:t>
             </a:fld>
             <a:endParaRPr lang="en-US"/>
           </a:p>
@@ -1853,7 +1853,7 @@
           <a:p>
             <a:fld id="{383FC6D2-30AA-4558-8012-F5837F23A629}" type="datetimeFigureOut">
               <a:rPr lang="en-US" smtClean="0"/>
-              <a:t>2/13/2024</a:t>
+              <a:t>2/15/2024</a:t>
             </a:fld>
             <a:endParaRPr lang="en-US"/>
           </a:p>
@@ -2128,7 +2128,7 @@
           <a:p>
             <a:fld id="{383FC6D2-30AA-4558-8012-F5837F23A629}" type="datetimeFigureOut">
               <a:rPr lang="en-US" smtClean="0"/>
-              <a:t>2/13/2024</a:t>
+              <a:t>2/15/2024</a:t>
             </a:fld>
             <a:endParaRPr lang="en-US"/>
           </a:p>
@@ -2380,7 +2380,7 @@
           <a:p>
             <a:fld id="{383FC6D2-30AA-4558-8012-F5837F23A629}" type="datetimeFigureOut">
               <a:rPr lang="en-US" smtClean="0"/>
-              <a:t>2/13/2024</a:t>
+              <a:t>2/15/2024</a:t>
             </a:fld>
             <a:endParaRPr lang="en-US"/>
           </a:p>
@@ -2591,7 +2591,7 @@
           <a:p>
             <a:fld id="{383FC6D2-30AA-4558-8012-F5837F23A629}" type="datetimeFigureOut">
               <a:rPr lang="en-US" smtClean="0"/>
-              <a:t>2/13/2024</a:t>
+              <a:t>2/15/2024</a:t>
             </a:fld>
             <a:endParaRPr lang="en-US"/>
           </a:p>
@@ -12728,7 +12728,7 @@
             <a:pPr algn="ctr"/>
             <a:r>
               <a:rPr lang="en-US" dirty="0"/>
-              <a:t>Class Timings – Sec IV-A</a:t>
+              <a:t>Class Timings – Sec IV-F</a:t>
             </a:r>
           </a:p>
         </p:txBody>
@@ -12743,7 +12743,7 @@
             <p:ph idx="1"/>
             <p:extLst>
               <p:ext uri="{D42A27DB-BD31-4B8C-83A1-F6EECF244321}">
-                <p14:modId xmlns:p14="http://schemas.microsoft.com/office/powerpoint/2010/main" val="188736955"/>
+                <p14:modId xmlns:p14="http://schemas.microsoft.com/office/powerpoint/2010/main" val="3434013050"/>
               </p:ext>
             </p:extLst>
           </p:nvPr>
@@ -12789,7 +12789,7 @@
                           <a:effectLst/>
                           <a:latin typeface="Calibri" panose="020F0502020204030204" pitchFamily="34" charset="0"/>
                         </a:rPr>
-                        <a:t>Tuesday</a:t>
+                        <a:t>Thursday</a:t>
                       </a:r>
                     </a:p>
                   </a:txBody>
@@ -12811,7 +12811,7 @@
                           <a:ea typeface="+mn-ea"/>
                           <a:cs typeface="+mn-cs"/>
                         </a:rPr>
-                        <a:t>08:00 - 11:30 Smart Lab</a:t>
+                        <a:t>08:00 - 11:30</a:t>
                       </a:r>
                       <a:endParaRPr lang="en-US" sz="2000" b="0" i="0" u="none" strike="noStrike" dirty="0">
                         <a:solidFill>
@@ -12841,7 +12841,7 @@
                         <a:rPr lang="en-US" sz="2000" b="0" u="none" strike="noStrike" dirty="0">
                           <a:effectLst/>
                         </a:rPr>
-                        <a:t>Friday</a:t>
+                        <a:t>Wednesday</a:t>
                       </a:r>
                       <a:endParaRPr lang="en-US" sz="2000" b="0" i="0" u="none" strike="noStrike" dirty="0">
                         <a:solidFill>
@@ -12886,7 +12886,7 @@
                           <a:ea typeface="+mn-ea"/>
                           <a:cs typeface="+mn-cs"/>
                         </a:rPr>
-                        <a:t>09:45 - 13:00 CS Lab</a:t>
+                        <a:t>11:30 am - 14:45 Lab 4</a:t>
                       </a:r>
                       <a:endParaRPr lang="en-US" sz="2000" b="0" i="0" u="none" strike="noStrike" dirty="0">
                         <a:solidFill>
@@ -13304,7 +13304,7 @@
           <p:nvPr>
             <p:extLst>
               <p:ext uri="{D42A27DB-BD31-4B8C-83A1-F6EECF244321}">
-                <p14:modId xmlns:p14="http://schemas.microsoft.com/office/powerpoint/2010/main" val="1936744431"/>
+                <p14:modId xmlns:p14="http://schemas.microsoft.com/office/powerpoint/2010/main" val="691567159"/>
               </p:ext>
             </p:extLst>
           </p:nvPr>
@@ -13369,7 +13369,7 @@
                           <a:ea typeface="+mn-ea"/>
                           <a:cs typeface="+mn-cs"/>
                         </a:rPr>
-                        <a:t>chedule                          Instructor: Abid Ali</a:t>
+                        <a:t>chedule                          Instructor: Sarang Ahmed</a:t>
                       </a:r>
                       <a:endParaRPr lang="en-US" sz="2000" b="0" i="0" u="none" strike="noStrike" dirty="0">
                         <a:solidFill>

--- a/Introduction.pptx
+++ b/Introduction.pptx
@@ -289,7 +289,7 @@
           <a:p>
             <a:fld id="{383FC6D2-30AA-4558-8012-F5837F23A629}" type="datetimeFigureOut">
               <a:rPr lang="en-US" smtClean="0"/>
-              <a:t>2/15/2024</a:t>
+              <a:t>2/16/2024</a:t>
             </a:fld>
             <a:endParaRPr lang="en-US"/>
           </a:p>
@@ -457,7 +457,7 @@
           <a:p>
             <a:fld id="{383FC6D2-30AA-4558-8012-F5837F23A629}" type="datetimeFigureOut">
               <a:rPr lang="en-US" smtClean="0"/>
-              <a:t>2/15/2024</a:t>
+              <a:t>2/16/2024</a:t>
             </a:fld>
             <a:endParaRPr lang="en-US"/>
           </a:p>
@@ -635,7 +635,7 @@
           <a:p>
             <a:fld id="{383FC6D2-30AA-4558-8012-F5837F23A629}" type="datetimeFigureOut">
               <a:rPr lang="en-US" smtClean="0"/>
-              <a:t>2/15/2024</a:t>
+              <a:t>2/16/2024</a:t>
             </a:fld>
             <a:endParaRPr lang="en-US"/>
           </a:p>
@@ -803,7 +803,7 @@
           <a:p>
             <a:fld id="{383FC6D2-30AA-4558-8012-F5837F23A629}" type="datetimeFigureOut">
               <a:rPr lang="en-US" smtClean="0"/>
-              <a:t>2/15/2024</a:t>
+              <a:t>2/16/2024</a:t>
             </a:fld>
             <a:endParaRPr lang="en-US"/>
           </a:p>
@@ -1048,7 +1048,7 @@
           <a:p>
             <a:fld id="{383FC6D2-30AA-4558-8012-F5837F23A629}" type="datetimeFigureOut">
               <a:rPr lang="en-US" smtClean="0"/>
-              <a:t>2/15/2024</a:t>
+              <a:t>2/16/2024</a:t>
             </a:fld>
             <a:endParaRPr lang="en-US"/>
           </a:p>
@@ -1277,7 +1277,7 @@
           <a:p>
             <a:fld id="{383FC6D2-30AA-4558-8012-F5837F23A629}" type="datetimeFigureOut">
               <a:rPr lang="en-US" smtClean="0"/>
-              <a:t>2/15/2024</a:t>
+              <a:t>2/16/2024</a:t>
             </a:fld>
             <a:endParaRPr lang="en-US"/>
           </a:p>
@@ -1641,7 +1641,7 @@
           <a:p>
             <a:fld id="{383FC6D2-30AA-4558-8012-F5837F23A629}" type="datetimeFigureOut">
               <a:rPr lang="en-US" smtClean="0"/>
-              <a:t>2/15/2024</a:t>
+              <a:t>2/16/2024</a:t>
             </a:fld>
             <a:endParaRPr lang="en-US"/>
           </a:p>
@@ -1758,7 +1758,7 @@
           <a:p>
             <a:fld id="{383FC6D2-30AA-4558-8012-F5837F23A629}" type="datetimeFigureOut">
               <a:rPr lang="en-US" smtClean="0"/>
-              <a:t>2/15/2024</a:t>
+              <a:t>2/16/2024</a:t>
             </a:fld>
             <a:endParaRPr lang="en-US"/>
           </a:p>
@@ -1853,7 +1853,7 @@
           <a:p>
             <a:fld id="{383FC6D2-30AA-4558-8012-F5837F23A629}" type="datetimeFigureOut">
               <a:rPr lang="en-US" smtClean="0"/>
-              <a:t>2/15/2024</a:t>
+              <a:t>2/16/2024</a:t>
             </a:fld>
             <a:endParaRPr lang="en-US"/>
           </a:p>
@@ -2128,7 +2128,7 @@
           <a:p>
             <a:fld id="{383FC6D2-30AA-4558-8012-F5837F23A629}" type="datetimeFigureOut">
               <a:rPr lang="en-US" smtClean="0"/>
-              <a:t>2/15/2024</a:t>
+              <a:t>2/16/2024</a:t>
             </a:fld>
             <a:endParaRPr lang="en-US"/>
           </a:p>
@@ -2380,7 +2380,7 @@
           <a:p>
             <a:fld id="{383FC6D2-30AA-4558-8012-F5837F23A629}" type="datetimeFigureOut">
               <a:rPr lang="en-US" smtClean="0"/>
-              <a:t>2/15/2024</a:t>
+              <a:t>2/16/2024</a:t>
             </a:fld>
             <a:endParaRPr lang="en-US"/>
           </a:p>
@@ -2591,7 +2591,7 @@
           <a:p>
             <a:fld id="{383FC6D2-30AA-4558-8012-F5837F23A629}" type="datetimeFigureOut">
               <a:rPr lang="en-US" smtClean="0"/>
-              <a:t>2/15/2024</a:t>
+              <a:t>2/16/2024</a:t>
             </a:fld>
             <a:endParaRPr lang="en-US"/>
           </a:p>
@@ -12728,8 +12728,13 @@
             <a:pPr algn="ctr"/>
             <a:r>
               <a:rPr lang="en-US" dirty="0"/>
-              <a:t>Class Timings – Sec IV-F</a:t>
-            </a:r>
+              <a:t>Class Timings – </a:t>
+            </a:r>
+            <a:r>
+              <a:rPr lang="en-US"/>
+              <a:t>Sec IV-B</a:t>
+            </a:r>
+            <a:endParaRPr lang="en-US" dirty="0"/>
           </a:p>
         </p:txBody>
       </p:sp>
@@ -12743,7 +12748,7 @@
             <p:ph idx="1"/>
             <p:extLst>
               <p:ext uri="{D42A27DB-BD31-4B8C-83A1-F6EECF244321}">
-                <p14:modId xmlns:p14="http://schemas.microsoft.com/office/powerpoint/2010/main" val="3434013050"/>
+                <p14:modId xmlns:p14="http://schemas.microsoft.com/office/powerpoint/2010/main" val="4125046026"/>
               </p:ext>
             </p:extLst>
           </p:nvPr>
@@ -12789,7 +12794,7 @@
                           <a:effectLst/>
                           <a:latin typeface="Calibri" panose="020F0502020204030204" pitchFamily="34" charset="0"/>
                         </a:rPr>
-                        <a:t>Thursday</a:t>
+                        <a:t>Friday</a:t>
                       </a:r>
                     </a:p>
                   </a:txBody>
@@ -12811,7 +12816,7 @@
                           <a:ea typeface="+mn-ea"/>
                           <a:cs typeface="+mn-cs"/>
                         </a:rPr>
-                        <a:t>08:00 - 11:30</a:t>
+                        <a:t>09:45 - 01:00</a:t>
                       </a:r>
                       <a:endParaRPr lang="en-US" sz="2000" b="0" i="0" u="none" strike="noStrike" dirty="0">
                         <a:solidFill>
@@ -12841,7 +12846,7 @@
                         <a:rPr lang="en-US" sz="2000" b="0" u="none" strike="noStrike" dirty="0">
                           <a:effectLst/>
                         </a:rPr>
-                        <a:t>Wednesday</a:t>
+                        <a:t>Saturday</a:t>
                       </a:r>
                       <a:endParaRPr lang="en-US" sz="2000" b="0" i="0" u="none" strike="noStrike" dirty="0">
                         <a:solidFill>
@@ -12886,7 +12891,7 @@
                           <a:ea typeface="+mn-ea"/>
                           <a:cs typeface="+mn-cs"/>
                         </a:rPr>
-                        <a:t>11:30 am - 14:45 Lab 4</a:t>
+                        <a:t>11:30 am - 14:45 Smart Lab</a:t>
                       </a:r>
                       <a:endParaRPr lang="en-US" sz="2000" b="0" i="0" u="none" strike="noStrike" dirty="0">
                         <a:solidFill>
@@ -13304,7 +13309,7 @@
           <p:nvPr>
             <p:extLst>
               <p:ext uri="{D42A27DB-BD31-4B8C-83A1-F6EECF244321}">
-                <p14:modId xmlns:p14="http://schemas.microsoft.com/office/powerpoint/2010/main" val="691567159"/>
+                <p14:modId xmlns:p14="http://schemas.microsoft.com/office/powerpoint/2010/main" val="2596958161"/>
               </p:ext>
             </p:extLst>
           </p:nvPr>
@@ -13369,7 +13374,7 @@
                           <a:ea typeface="+mn-ea"/>
                           <a:cs typeface="+mn-cs"/>
                         </a:rPr>
-                        <a:t>chedule                          Instructor: Sarang Ahmed</a:t>
+                        <a:t>chedule                          Instructor: Sobia Rizwan</a:t>
                       </a:r>
                       <a:endParaRPr lang="en-US" sz="2000" b="0" i="0" u="none" strike="noStrike" dirty="0">
                         <a:solidFill>
